--- a/sentiment_analysis.pptx
+++ b/sentiment_analysis.pptx
@@ -6,12 +6,13 @@
   </p:sldMasterIdLst>
   <p:sldIdLst>
     <p:sldId id="256" r:id="rId2"/>
-    <p:sldId id="257" r:id="rId3"/>
-    <p:sldId id="258" r:id="rId4"/>
-    <p:sldId id="259" r:id="rId5"/>
-    <p:sldId id="260" r:id="rId6"/>
-    <p:sldId id="261" r:id="rId7"/>
-    <p:sldId id="262" r:id="rId8"/>
+    <p:sldId id="263" r:id="rId3"/>
+    <p:sldId id="257" r:id="rId4"/>
+    <p:sldId id="258" r:id="rId5"/>
+    <p:sldId id="259" r:id="rId6"/>
+    <p:sldId id="260" r:id="rId7"/>
+    <p:sldId id="261" r:id="rId8"/>
+    <p:sldId id="262" r:id="rId9"/>
   </p:sldIdLst>
   <p:sldSz cx="9144000" cy="6858000" type="screen4x3"/>
   <p:notesSz cx="6858000" cy="9144000"/>
@@ -315,7 +316,7 @@
           <a:p>
             <a:fld id="{5BCAD085-E8A6-8845-BD4E-CB4CCA059FC4}" type="datetimeFigureOut">
               <a:rPr lang="en-US" smtClean="0"/>
-              <a:t>9/1/2025</a:t>
+              <a:t>9/4/2025</a:t>
             </a:fld>
             <a:endParaRPr lang="en-US"/>
           </a:p>
@@ -590,7 +591,7 @@
           <a:p>
             <a:fld id="{5BCAD085-E8A6-8845-BD4E-CB4CCA059FC4}" type="datetimeFigureOut">
               <a:rPr lang="en-US" smtClean="0"/>
-              <a:t>9/1/2025</a:t>
+              <a:t>9/4/2025</a:t>
             </a:fld>
             <a:endParaRPr lang="en-US"/>
           </a:p>
@@ -784,7 +785,7 @@
           <a:p>
             <a:fld id="{5BCAD085-E8A6-8845-BD4E-CB4CCA059FC4}" type="datetimeFigureOut">
               <a:rPr lang="en-US" smtClean="0"/>
-              <a:t>9/1/2025</a:t>
+              <a:t>9/4/2025</a:t>
             </a:fld>
             <a:endParaRPr lang="en-US"/>
           </a:p>
@@ -1057,7 +1058,7 @@
           <a:p>
             <a:fld id="{5BCAD085-E8A6-8845-BD4E-CB4CCA059FC4}" type="datetimeFigureOut">
               <a:rPr lang="en-US" smtClean="0"/>
-              <a:t>9/1/2025</a:t>
+              <a:t>9/4/2025</a:t>
             </a:fld>
             <a:endParaRPr lang="en-US"/>
           </a:p>
@@ -1398,7 +1399,7 @@
           <a:p>
             <a:fld id="{5BCAD085-E8A6-8845-BD4E-CB4CCA059FC4}" type="datetimeFigureOut">
               <a:rPr lang="en-US" smtClean="0"/>
-              <a:t>9/1/2025</a:t>
+              <a:t>9/4/2025</a:t>
             </a:fld>
             <a:endParaRPr lang="en-US"/>
           </a:p>
@@ -2021,7 +2022,7 @@
           <a:p>
             <a:fld id="{5BCAD085-E8A6-8845-BD4E-CB4CCA059FC4}" type="datetimeFigureOut">
               <a:rPr lang="en-US" smtClean="0"/>
-              <a:t>9/1/2025</a:t>
+              <a:t>9/4/2025</a:t>
             </a:fld>
             <a:endParaRPr lang="en-US"/>
           </a:p>
@@ -2881,7 +2882,7 @@
           <a:p>
             <a:fld id="{5BCAD085-E8A6-8845-BD4E-CB4CCA059FC4}" type="datetimeFigureOut">
               <a:rPr lang="en-US" smtClean="0"/>
-              <a:t>9/1/2025</a:t>
+              <a:t>9/4/2025</a:t>
             </a:fld>
             <a:endParaRPr lang="en-US"/>
           </a:p>
@@ -3051,7 +3052,7 @@
           <a:p>
             <a:fld id="{5BCAD085-E8A6-8845-BD4E-CB4CCA059FC4}" type="datetimeFigureOut">
               <a:rPr lang="en-US" smtClean="0"/>
-              <a:t>9/1/2025</a:t>
+              <a:t>9/4/2025</a:t>
             </a:fld>
             <a:endParaRPr lang="en-US"/>
           </a:p>
@@ -3231,7 +3232,7 @@
           <a:p>
             <a:fld id="{5BCAD085-E8A6-8845-BD4E-CB4CCA059FC4}" type="datetimeFigureOut">
               <a:rPr lang="en-US" smtClean="0"/>
-              <a:t>9/1/2025</a:t>
+              <a:t>9/4/2025</a:t>
             </a:fld>
             <a:endParaRPr lang="en-US"/>
           </a:p>
@@ -3401,7 +3402,7 @@
           <a:p>
             <a:fld id="{5BCAD085-E8A6-8845-BD4E-CB4CCA059FC4}" type="datetimeFigureOut">
               <a:rPr lang="en-US" smtClean="0"/>
-              <a:t>9/1/2025</a:t>
+              <a:t>9/4/2025</a:t>
             </a:fld>
             <a:endParaRPr lang="en-US"/>
           </a:p>
@@ -3648,7 +3649,7 @@
           <a:p>
             <a:fld id="{5BCAD085-E8A6-8845-BD4E-CB4CCA059FC4}" type="datetimeFigureOut">
               <a:rPr lang="en-US" smtClean="0"/>
-              <a:t>9/1/2025</a:t>
+              <a:t>9/4/2025</a:t>
             </a:fld>
             <a:endParaRPr lang="en-US"/>
           </a:p>
@@ -3940,7 +3941,7 @@
           <a:p>
             <a:fld id="{5BCAD085-E8A6-8845-BD4E-CB4CCA059FC4}" type="datetimeFigureOut">
               <a:rPr lang="en-US" smtClean="0"/>
-              <a:t>9/1/2025</a:t>
+              <a:t>9/4/2025</a:t>
             </a:fld>
             <a:endParaRPr lang="en-US"/>
           </a:p>
@@ -4384,7 +4385,7 @@
           <a:p>
             <a:fld id="{5BCAD085-E8A6-8845-BD4E-CB4CCA059FC4}" type="datetimeFigureOut">
               <a:rPr lang="en-US" smtClean="0"/>
-              <a:t>9/1/2025</a:t>
+              <a:t>9/4/2025</a:t>
             </a:fld>
             <a:endParaRPr lang="en-US"/>
           </a:p>
@@ -4502,7 +4503,7 @@
           <a:p>
             <a:fld id="{5BCAD085-E8A6-8845-BD4E-CB4CCA059FC4}" type="datetimeFigureOut">
               <a:rPr lang="en-US" smtClean="0"/>
-              <a:t>9/1/2025</a:t>
+              <a:t>9/4/2025</a:t>
             </a:fld>
             <a:endParaRPr lang="en-US"/>
           </a:p>
@@ -4597,7 +4598,7 @@
           <a:p>
             <a:fld id="{5BCAD085-E8A6-8845-BD4E-CB4CCA059FC4}" type="datetimeFigureOut">
               <a:rPr lang="en-US" smtClean="0"/>
-              <a:t>9/1/2025</a:t>
+              <a:t>9/4/2025</a:t>
             </a:fld>
             <a:endParaRPr lang="en-US"/>
           </a:p>
@@ -4876,7 +4877,7 @@
           <a:p>
             <a:fld id="{5BCAD085-E8A6-8845-BD4E-CB4CCA059FC4}" type="datetimeFigureOut">
               <a:rPr lang="en-US" smtClean="0"/>
-              <a:t>9/1/2025</a:t>
+              <a:t>9/4/2025</a:t>
             </a:fld>
             <a:endParaRPr lang="en-US"/>
           </a:p>
@@ -5151,7 +5152,7 @@
           <a:p>
             <a:fld id="{5BCAD085-E8A6-8845-BD4E-CB4CCA059FC4}" type="datetimeFigureOut">
               <a:rPr lang="en-US" smtClean="0"/>
-              <a:t>9/1/2025</a:t>
+              <a:t>9/4/2025</a:t>
             </a:fld>
             <a:endParaRPr lang="en-US"/>
           </a:p>
@@ -5401,7 +5402,7 @@
           <a:p>
             <a:fld id="{5BCAD085-E8A6-8845-BD4E-CB4CCA059FC4}" type="datetimeFigureOut">
               <a:rPr lang="en-US" smtClean="0"/>
-              <a:t>9/1/2025</a:t>
+              <a:t>9/4/2025</a:t>
             </a:fld>
             <a:endParaRPr lang="en-US"/>
           </a:p>
@@ -6002,7 +6003,13 @@
       </p:grpSpPr>
       <p:sp>
         <p:nvSpPr>
-          <p:cNvPr id="2" name="Title 1"/>
+          <p:cNvPr id="2" name="Title 1">
+            <a:extLst>
+              <a:ext uri="{FF2B5EF4-FFF2-40B4-BE49-F238E27FC236}">
+                <a16:creationId xmlns:a16="http://schemas.microsoft.com/office/drawing/2014/main" id="{4C1429CE-51D7-42F8-97C0-A0FDB31062CD}"/>
+              </a:ext>
+            </a:extLst>
+          </p:cNvPr>
           <p:cNvSpPr>
             <a:spLocks noGrp="1"/>
           </p:cNvSpPr>
@@ -6016,14 +6023,22 @@
           <a:lstStyle/>
           <a:p>
             <a:r>
-              <a:t>1. Business Understanding</a:t>
-            </a:r>
-          </a:p>
-        </p:txBody>
-      </p:sp>
-      <p:sp>
-        <p:nvSpPr>
-          <p:cNvPr id="3" name="Content Placeholder 2"/>
+              <a:rPr lang="en-GB" dirty="0"/>
+              <a:t>Group Members</a:t>
+            </a:r>
+            <a:endParaRPr lang="en-KE" dirty="0"/>
+          </a:p>
+        </p:txBody>
+      </p:sp>
+      <p:sp>
+        <p:nvSpPr>
+          <p:cNvPr id="3" name="Content Placeholder 2">
+            <a:extLst>
+              <a:ext uri="{FF2B5EF4-FFF2-40B4-BE49-F238E27FC236}">
+                <a16:creationId xmlns:a16="http://schemas.microsoft.com/office/drawing/2014/main" id="{65FF0A5B-E25D-4242-8D63-D540D223853B}"/>
+              </a:ext>
+            </a:extLst>
+          </p:cNvPr>
           <p:cNvSpPr>
             <a:spLocks noGrp="1"/>
           </p:cNvSpPr>
@@ -6031,134 +6046,70 @@
             <p:ph idx="1"/>
           </p:nvPr>
         </p:nvSpPr>
-        <p:spPr>
-          <a:xfrm>
-            <a:off x="478631" y="2428875"/>
-            <a:ext cx="8186737" cy="4129088"/>
-          </a:xfrm>
-        </p:spPr>
-        <p:txBody>
-          <a:bodyPr>
-            <a:noAutofit/>
-          </a:bodyPr>
-          <a:lstStyle/>
-          <a:p>
-            <a:pPr marL="0" indent="0">
-              <a:buNone/>
-            </a:pPr>
-            <a:r>
-              <a:rPr sz="1700" b="1" dirty="0"/>
-              <a:t>Problem</a:t>
-            </a:r>
-            <a:r>
-              <a:rPr lang="en-GB" sz="1700" b="1" dirty="0"/>
-              <a:t> Statement</a:t>
-            </a:r>
-          </a:p>
-          <a:p>
-            <a:pPr marL="0" indent="0">
-              <a:buNone/>
-            </a:pPr>
-            <a:r>
-              <a:rPr sz="1700" dirty="0"/>
-              <a:t>Huge volume of Apple/Google tweets makes manual analysis impossible.</a:t>
-            </a:r>
-          </a:p>
-          <a:p>
-            <a:pPr marL="0" indent="0">
-              <a:buNone/>
-            </a:pPr>
-            <a:r>
-              <a:rPr lang="en-GB" sz="1700" dirty="0"/>
-              <a:t>The goal is to b</a:t>
-            </a:r>
-            <a:r>
-              <a:rPr sz="1700" dirty="0" err="1"/>
-              <a:t>uild</a:t>
-            </a:r>
-            <a:r>
-              <a:rPr sz="1700" dirty="0"/>
+        <p:spPr/>
+        <p:txBody>
+          <a:bodyPr/>
+          <a:lstStyle/>
+          <a:p>
+            <a:r>
+              <a:rPr lang="en-GB" dirty="0"/>
+              <a:t>Steve Opar</a:t>
+            </a:r>
+          </a:p>
+          <a:p>
+            <a:r>
+              <a:rPr lang="en-GB" dirty="0"/>
+              <a:t>Mercy </a:t>
+            </a:r>
+            <a:r>
+              <a:rPr lang="en-GB" dirty="0" err="1"/>
+              <a:t>Chepkorir</a:t>
+            </a:r>
+            <a:endParaRPr lang="en-GB" dirty="0"/>
+          </a:p>
+          <a:p>
+            <a:r>
+              <a:rPr lang="en-GB" dirty="0"/>
+              <a:t>Olive </a:t>
+            </a:r>
+            <a:r>
+              <a:rPr lang="en-GB" dirty="0" err="1"/>
+              <a:t>Njeri</a:t>
+            </a:r>
+            <a:endParaRPr lang="en-GB" dirty="0"/>
+          </a:p>
+          <a:p>
+            <a:r>
+              <a:rPr lang="en-GB" dirty="0" err="1"/>
+              <a:t>Kungu</a:t>
+            </a:r>
+            <a:r>
+              <a:rPr lang="en-GB" dirty="0"/>
               <a:t> </a:t>
             </a:r>
             <a:r>
-              <a:rPr lang="en-GB" sz="1700" dirty="0"/>
-              <a:t>a </a:t>
-            </a:r>
-            <a:r>
-              <a:rPr sz="1700" dirty="0"/>
-              <a:t>M</a:t>
-            </a:r>
-            <a:r>
-              <a:rPr lang="en-GB" sz="1700" dirty="0" err="1"/>
-              <a:t>achine</a:t>
-            </a:r>
-            <a:r>
-              <a:rPr lang="en-GB" sz="1700" dirty="0"/>
-              <a:t> </a:t>
-            </a:r>
-            <a:r>
-              <a:rPr sz="1700" dirty="0"/>
-              <a:t>L</a:t>
-            </a:r>
-            <a:r>
-              <a:rPr lang="en-GB" sz="1700" dirty="0"/>
-              <a:t>earning</a:t>
-            </a:r>
-            <a:r>
-              <a:rPr sz="1700" dirty="0"/>
-              <a:t> model to classify tweets as positive, neutral, or negative</a:t>
-            </a:r>
-            <a:r>
-              <a:rPr lang="en-GB" sz="1700" dirty="0"/>
-              <a:t> so that we can provide real-time insights for brand perception &amp; product decisions</a:t>
-            </a:r>
-          </a:p>
-          <a:p>
-            <a:pPr marL="0" indent="0">
-              <a:buNone/>
-            </a:pPr>
-            <a:endParaRPr sz="1700" dirty="0"/>
-          </a:p>
-          <a:p>
-            <a:pPr marL="0" indent="0">
-              <a:buNone/>
-            </a:pPr>
-            <a:r>
-              <a:rPr sz="1700" b="1" dirty="0"/>
-              <a:t>Stakeholders</a:t>
-            </a:r>
-            <a:endParaRPr lang="en-GB" sz="1700" b="1" dirty="0"/>
-          </a:p>
-          <a:p>
-            <a:r>
-              <a:rPr sz="1700" dirty="0"/>
-              <a:t>Marketing</a:t>
-            </a:r>
-            <a:endParaRPr lang="en-GB" sz="1700" dirty="0"/>
-          </a:p>
-          <a:p>
-            <a:r>
-              <a:rPr sz="1700" dirty="0"/>
-              <a:t>Product Managers</a:t>
-            </a:r>
-            <a:endParaRPr lang="en-GB" sz="1700" dirty="0"/>
-          </a:p>
-          <a:p>
-            <a:r>
-              <a:rPr sz="1700" dirty="0"/>
-              <a:t>Customer Support</a:t>
-            </a:r>
-            <a:endParaRPr lang="en-GB" sz="1700" dirty="0"/>
-          </a:p>
-          <a:p>
-            <a:r>
-              <a:rPr sz="1700" dirty="0"/>
-              <a:t>Executives</a:t>
-            </a:r>
+              <a:rPr lang="en-GB" dirty="0" err="1"/>
+              <a:t>Wakaimba</a:t>
+            </a:r>
+            <a:endParaRPr lang="en-GB" dirty="0"/>
+          </a:p>
+          <a:p>
+            <a:r>
+              <a:rPr lang="en-GB" dirty="0"/>
+              <a:t>Kelly Wanjiku</a:t>
+            </a:r>
+          </a:p>
+          <a:p>
+            <a:endParaRPr lang="en-KE" dirty="0"/>
           </a:p>
         </p:txBody>
       </p:sp>
     </p:spTree>
+    <p:extLst>
+      <p:ext uri="{BB962C8B-B14F-4D97-AF65-F5344CB8AC3E}">
+        <p14:creationId xmlns:p14="http://schemas.microsoft.com/office/powerpoint/2010/main" val="700784045"/>
+      </p:ext>
+    </p:extLst>
   </p:cSld>
   <p:clrMapOvr>
     <a:masterClrMapping/>
@@ -6199,7 +6150,7 @@
           <a:lstStyle/>
           <a:p>
             <a:r>
-              <a:t>2. Data Understanding</a:t>
+              <a:t>1. Business Understanding</a:t>
             </a:r>
           </a:p>
         </p:txBody>
@@ -6214,34 +6165,129 @@
             <p:ph idx="1"/>
           </p:nvPr>
         </p:nvSpPr>
-        <p:spPr/>
+        <p:spPr>
+          <a:xfrm>
+            <a:off x="478631" y="2428875"/>
+            <a:ext cx="8186737" cy="4129088"/>
+          </a:xfrm>
+        </p:spPr>
         <p:txBody>
           <a:bodyPr>
-            <a:normAutofit/>
+            <a:noAutofit/>
           </a:bodyPr>
           <a:lstStyle/>
           <a:p>
-            <a:r>
-              <a:rPr dirty="0"/>
-              <a:t>Source: Twitter dataset with labeled emotions</a:t>
-            </a:r>
-          </a:p>
-          <a:p>
-            <a:r>
-              <a:rPr dirty="0"/>
-              <a:t>Features: Tweet text, brand (Apple/Google), sentiment label</a:t>
-            </a:r>
-          </a:p>
-          <a:p>
-            <a:r>
-              <a:rPr dirty="0"/>
-              <a:t>Challenges: Class imbalance, noisy/informal text, temporal drift</a:t>
-            </a:r>
-          </a:p>
-          <a:p>
-            <a:r>
-              <a:rPr dirty="0"/>
-              <a:t>Size: Thousands of tweets labeled for sentiment &amp; brand context</a:t>
+            <a:pPr marL="0" indent="0">
+              <a:buNone/>
+            </a:pPr>
+            <a:r>
+              <a:rPr sz="1700" b="1" dirty="0"/>
+              <a:t>Problem</a:t>
+            </a:r>
+            <a:r>
+              <a:rPr lang="en-GB" sz="1700" b="1" dirty="0"/>
+              <a:t> Statement</a:t>
+            </a:r>
+          </a:p>
+          <a:p>
+            <a:pPr marL="0" indent="0">
+              <a:buNone/>
+            </a:pPr>
+            <a:r>
+              <a:rPr sz="1700" dirty="0"/>
+              <a:t>Huge volume of Apple/Google tweets makes manual analysis impossible.</a:t>
+            </a:r>
+          </a:p>
+          <a:p>
+            <a:pPr marL="0" indent="0">
+              <a:buNone/>
+            </a:pPr>
+            <a:r>
+              <a:rPr lang="en-GB" sz="1700" dirty="0"/>
+              <a:t>The goal is to b</a:t>
+            </a:r>
+            <a:r>
+              <a:rPr sz="1700" dirty="0" err="1"/>
+              <a:t>uild</a:t>
+            </a:r>
+            <a:r>
+              <a:rPr sz="1700" dirty="0"/>
+              <a:t> </a:t>
+            </a:r>
+            <a:r>
+              <a:rPr lang="en-GB" sz="1700" dirty="0"/>
+              <a:t>a </a:t>
+            </a:r>
+            <a:r>
+              <a:rPr sz="1700" dirty="0"/>
+              <a:t>M</a:t>
+            </a:r>
+            <a:r>
+              <a:rPr lang="en-GB" sz="1700" dirty="0" err="1"/>
+              <a:t>achine</a:t>
+            </a:r>
+            <a:r>
+              <a:rPr lang="en-GB" sz="1700" dirty="0"/>
+              <a:t> </a:t>
+            </a:r>
+            <a:r>
+              <a:rPr sz="1700" dirty="0"/>
+              <a:t>L</a:t>
+            </a:r>
+            <a:r>
+              <a:rPr lang="en-GB" sz="1700" dirty="0"/>
+              <a:t>earning</a:t>
+            </a:r>
+            <a:r>
+              <a:rPr sz="1700" dirty="0"/>
+              <a:t> model to classify tweets as positive, neutral, or negative</a:t>
+            </a:r>
+            <a:r>
+              <a:rPr lang="en-GB" sz="1700" dirty="0"/>
+              <a:t> so that we can provide real-time insights for brand perception &amp; product decisions</a:t>
+            </a:r>
+          </a:p>
+          <a:p>
+            <a:pPr marL="0" indent="0">
+              <a:buNone/>
+            </a:pPr>
+            <a:endParaRPr sz="1700" dirty="0"/>
+          </a:p>
+          <a:p>
+            <a:pPr marL="0" indent="0">
+              <a:buNone/>
+            </a:pPr>
+            <a:r>
+              <a:rPr sz="1700" b="1" dirty="0"/>
+              <a:t>Stakeholders</a:t>
+            </a:r>
+            <a:endParaRPr lang="en-GB" sz="1700" b="1" dirty="0"/>
+          </a:p>
+          <a:p>
+            <a:r>
+              <a:rPr sz="1700" dirty="0"/>
+              <a:t>Marketing</a:t>
+            </a:r>
+            <a:endParaRPr lang="en-GB" sz="1700" dirty="0"/>
+          </a:p>
+          <a:p>
+            <a:r>
+              <a:rPr sz="1700" dirty="0"/>
+              <a:t>Product Managers</a:t>
+            </a:r>
+            <a:endParaRPr lang="en-GB" sz="1700" dirty="0"/>
+          </a:p>
+          <a:p>
+            <a:r>
+              <a:rPr sz="1700" dirty="0"/>
+              <a:t>Customer Support</a:t>
+            </a:r>
+            <a:endParaRPr lang="en-GB" sz="1700" dirty="0"/>
+          </a:p>
+          <a:p>
+            <a:r>
+              <a:rPr sz="1700" dirty="0"/>
+              <a:t>Executives</a:t>
             </a:r>
           </a:p>
         </p:txBody>
@@ -6287,7 +6333,7 @@
           <a:lstStyle/>
           <a:p>
             <a:r>
-              <a:t>3. Data Preparation</a:t>
+              <a:t>2. Data Understanding</a:t>
             </a:r>
           </a:p>
         </p:txBody>
@@ -6304,31 +6350,32 @@
         </p:nvSpPr>
         <p:spPr/>
         <p:txBody>
-          <a:bodyPr/>
-          <a:lstStyle/>
-          <a:p>
-            <a:r>
-              <a:t>Steps applied to clean and prepare tweets:</a:t>
-            </a:r>
-          </a:p>
-          <a:p>
-            <a:r>
-              <a:t>Dropped ambiguous labels ('I can’t tell')</a:t>
-            </a:r>
-          </a:p>
-          <a:p>
-            <a:r>
-              <a:t>Normalized labels → Binary (Positive/Negative), Ternary (Pos/Neg/Neutral)</a:t>
-            </a:r>
-          </a:p>
-          <a:p>
-            <a:r>
-              <a:t>Removed URLs, mentions, hashtags, special chars</a:t>
-            </a:r>
-          </a:p>
-          <a:p>
-            <a:r>
-              <a:t>Vectorized text using TF-IDF (up to 5000 n-grams)</a:t>
+          <a:bodyPr>
+            <a:normAutofit/>
+          </a:bodyPr>
+          <a:lstStyle/>
+          <a:p>
+            <a:r>
+              <a:rPr dirty="0"/>
+              <a:t>Source: Twitter dataset with labeled emotions</a:t>
+            </a:r>
+          </a:p>
+          <a:p>
+            <a:r>
+              <a:rPr dirty="0"/>
+              <a:t>Features: Tweet text, brand (Apple/Google), sentiment label</a:t>
+            </a:r>
+          </a:p>
+          <a:p>
+            <a:r>
+              <a:rPr dirty="0"/>
+              <a:t>Challenges: Class imbalance, noisy/informal text, temporal drift</a:t>
+            </a:r>
+          </a:p>
+          <a:p>
+            <a:r>
+              <a:rPr dirty="0"/>
+              <a:t>Size: Thousands of tweets labeled for sentiment &amp; brand context</a:t>
             </a:r>
           </a:p>
         </p:txBody>
@@ -6374,7 +6421,7 @@
           <a:lstStyle/>
           <a:p>
             <a:r>
-              <a:t>4. Modeling</a:t>
+              <a:t>3. Data Preparation</a:t>
             </a:r>
           </a:p>
         </p:txBody>
@@ -6395,44 +6442,27 @@
           <a:lstStyle/>
           <a:p>
             <a:r>
-              <a:rPr dirty="0"/>
-              <a:t>Models trained and tuned:</a:t>
-            </a:r>
-          </a:p>
-          <a:p>
-            <a:r>
-              <a:rPr dirty="0"/>
-              <a:t>Logistic Regression (performed best)</a:t>
-            </a:r>
-          </a:p>
-          <a:p>
-            <a:r>
-              <a:rPr dirty="0"/>
-              <a:t>Support Vector Machine (SVM)</a:t>
-            </a:r>
-          </a:p>
-          <a:p>
-            <a:r>
-              <a:rPr dirty="0"/>
-              <a:t>Random Forest</a:t>
-            </a:r>
-          </a:p>
-          <a:p>
-            <a:r>
-              <a:rPr dirty="0"/>
-              <a:t>Neural Network (</a:t>
-            </a:r>
-            <a:r>
-              <a:rPr lang="en-GB" dirty="0"/>
-              <a:t>N</a:t>
-            </a:r>
-            <a:r>
-              <a:rPr dirty="0" err="1"/>
-              <a:t>LPClassifier</a:t>
-            </a:r>
-            <a:r>
-              <a:rPr dirty="0"/>
-              <a:t>)</a:t>
+              <a:t>Steps applied to clean and prepare tweets:</a:t>
+            </a:r>
+          </a:p>
+          <a:p>
+            <a:r>
+              <a:t>Dropped ambiguous labels ('I can’t tell')</a:t>
+            </a:r>
+          </a:p>
+          <a:p>
+            <a:r>
+              <a:t>Normalized labels → Binary (Positive/Negative), Ternary (Pos/Neg/Neutral)</a:t>
+            </a:r>
+          </a:p>
+          <a:p>
+            <a:r>
+              <a:t>Removed URLs, mentions, hashtags, special chars</a:t>
+            </a:r>
+          </a:p>
+          <a:p>
+            <a:r>
+              <a:t>Vectorized text using TF-IDF (up to 5000 n-grams)</a:t>
             </a:r>
           </a:p>
         </p:txBody>
@@ -6478,7 +6508,7 @@
           <a:lstStyle/>
           <a:p>
             <a:r>
-              <a:t>5. Evaluation</a:t>
+              <a:t>4. Modeling</a:t>
             </a:r>
           </a:p>
         </p:txBody>
@@ -6499,22 +6529,44 @@
           <a:lstStyle/>
           <a:p>
             <a:r>
-              <a:t>Key Findings:</a:t>
-            </a:r>
-          </a:p>
-          <a:p>
-            <a:r>
-              <a:t>Logistic Regression &amp; SVM achieved the best balance of accuracy &amp; efficiency</a:t>
-            </a:r>
-          </a:p>
-          <a:p>
-            <a:r>
-              <a:t>Random Forest &amp; Neural Net less consistent</a:t>
-            </a:r>
-          </a:p>
-          <a:p>
-            <a:r>
-              <a:t>Binary classification generally performed better than ternary</a:t>
+              <a:rPr dirty="0"/>
+              <a:t>Models trained and tuned:</a:t>
+            </a:r>
+          </a:p>
+          <a:p>
+            <a:r>
+              <a:rPr dirty="0"/>
+              <a:t>Logistic Regression (performed best)</a:t>
+            </a:r>
+          </a:p>
+          <a:p>
+            <a:r>
+              <a:rPr dirty="0"/>
+              <a:t>Support Vector Machine (SVM)</a:t>
+            </a:r>
+          </a:p>
+          <a:p>
+            <a:r>
+              <a:rPr dirty="0"/>
+              <a:t>Random Forest</a:t>
+            </a:r>
+          </a:p>
+          <a:p>
+            <a:r>
+              <a:rPr dirty="0"/>
+              <a:t>Neural Network (</a:t>
+            </a:r>
+            <a:r>
+              <a:rPr lang="en-GB" dirty="0"/>
+              <a:t>N</a:t>
+            </a:r>
+            <a:r>
+              <a:rPr dirty="0" err="1"/>
+              <a:t>LPClassifier</a:t>
+            </a:r>
+            <a:r>
+              <a:rPr dirty="0"/>
+              <a:t>)</a:t>
             </a:r>
           </a:p>
         </p:txBody>
@@ -6528,6 +6580,88 @@
 </file>
 
 <file path=ppt/slides/slide7.xml><?xml version="1.0" encoding="utf-8"?>
+<p:sld xmlns:a="http://schemas.openxmlformats.org/drawingml/2006/main" xmlns:r="http://schemas.openxmlformats.org/officeDocument/2006/relationships" xmlns:p="http://schemas.openxmlformats.org/presentationml/2006/main">
+  <p:cSld>
+    <p:spTree>
+      <p:nvGrpSpPr>
+        <p:cNvPr id="1" name=""/>
+        <p:cNvGrpSpPr/>
+        <p:nvPr/>
+      </p:nvGrpSpPr>
+      <p:grpSpPr>
+        <a:xfrm>
+          <a:off x="0" y="0"/>
+          <a:ext cx="0" cy="0"/>
+          <a:chOff x="0" y="0"/>
+          <a:chExt cx="0" cy="0"/>
+        </a:xfrm>
+      </p:grpSpPr>
+      <p:sp>
+        <p:nvSpPr>
+          <p:cNvPr id="2" name="Title 1"/>
+          <p:cNvSpPr>
+            <a:spLocks noGrp="1"/>
+          </p:cNvSpPr>
+          <p:nvPr>
+            <p:ph type="title"/>
+          </p:nvPr>
+        </p:nvSpPr>
+        <p:spPr/>
+        <p:txBody>
+          <a:bodyPr/>
+          <a:lstStyle/>
+          <a:p>
+            <a:r>
+              <a:t>5. Evaluation</a:t>
+            </a:r>
+          </a:p>
+        </p:txBody>
+      </p:sp>
+      <p:sp>
+        <p:nvSpPr>
+          <p:cNvPr id="3" name="Content Placeholder 2"/>
+          <p:cNvSpPr>
+            <a:spLocks noGrp="1"/>
+          </p:cNvSpPr>
+          <p:nvPr>
+            <p:ph idx="1"/>
+          </p:nvPr>
+        </p:nvSpPr>
+        <p:spPr/>
+        <p:txBody>
+          <a:bodyPr/>
+          <a:lstStyle/>
+          <a:p>
+            <a:r>
+              <a:t>Key Findings:</a:t>
+            </a:r>
+          </a:p>
+          <a:p>
+            <a:r>
+              <a:t>Logistic Regression &amp; SVM achieved the best balance of accuracy &amp; efficiency</a:t>
+            </a:r>
+          </a:p>
+          <a:p>
+            <a:r>
+              <a:t>Random Forest &amp; Neural Net less consistent</a:t>
+            </a:r>
+          </a:p>
+          <a:p>
+            <a:r>
+              <a:t>Binary classification generally performed better than ternary</a:t>
+            </a:r>
+          </a:p>
+        </p:txBody>
+      </p:sp>
+    </p:spTree>
+  </p:cSld>
+  <p:clrMapOvr>
+    <a:masterClrMapping/>
+  </p:clrMapOvr>
+</p:sld>
+</file>
+
+<file path=ppt/slides/slide8.xml><?xml version="1.0" encoding="utf-8"?>
 <p:sld xmlns:a="http://schemas.openxmlformats.org/drawingml/2006/main" xmlns:r="http://schemas.openxmlformats.org/officeDocument/2006/relationships" xmlns:p="http://schemas.openxmlformats.org/presentationml/2006/main">
   <p:cSld>
     <p:spTree>
